--- a/TP Final/Presentacion/22.99 - TPF - G1.pptx
+++ b/TP Final/Presentacion/22.99 - TPF - G1.pptx
@@ -5,7 +5,7 @@
     <p:sldMasterId id="2147483694" r:id="rId1"/>
   </p:sldMasterIdLst>
   <p:notesMasterIdLst>
-    <p:notesMasterId r:id="rId19"/>
+    <p:notesMasterId r:id="rId20"/>
   </p:notesMasterIdLst>
   <p:sldIdLst>
     <p:sldId id="256" r:id="rId2"/>
@@ -19,12 +19,13 @@
     <p:sldId id="297" r:id="rId10"/>
     <p:sldId id="288" r:id="rId11"/>
     <p:sldId id="294" r:id="rId12"/>
-    <p:sldId id="289" r:id="rId13"/>
-    <p:sldId id="290" r:id="rId14"/>
-    <p:sldId id="291" r:id="rId15"/>
-    <p:sldId id="283" r:id="rId16"/>
-    <p:sldId id="296" r:id="rId17"/>
-    <p:sldId id="281" r:id="rId18"/>
+    <p:sldId id="298" r:id="rId13"/>
+    <p:sldId id="289" r:id="rId14"/>
+    <p:sldId id="290" r:id="rId15"/>
+    <p:sldId id="291" r:id="rId16"/>
+    <p:sldId id="283" r:id="rId17"/>
+    <p:sldId id="296" r:id="rId18"/>
+    <p:sldId id="281" r:id="rId19"/>
   </p:sldIdLst>
   <p:sldSz cx="12192000" cy="6858000"/>
   <p:notesSz cx="6858000" cy="9144000"/>
@@ -151,6 +152,7 @@
             <p14:sldId id="297"/>
             <p14:sldId id="288"/>
             <p14:sldId id="294"/>
+            <p14:sldId id="298"/>
             <p14:sldId id="289"/>
           </p14:sldIdLst>
         </p14:section>
@@ -8651,7 +8653,7 @@
           <a:p>
             <a:fld id="{1DE690DB-34E4-4616-9623-95BCEA14A9D7}" type="datetimeFigureOut">
               <a:rPr lang="en-US" smtClean="0"/>
-              <a:t>08-Feb-21</a:t>
+              <a:t>2/8/2021</a:t>
             </a:fld>
             <a:endParaRPr lang="en-US"/>
           </a:p>
@@ -8809,7 +8811,7 @@
           <a:p>
             <a:fld id="{307F6F8B-672D-46C5-9158-85FC9D30A049}" type="slidenum">
               <a:rPr lang="en-US" smtClean="0"/>
-              <a:t>‹#›</a:t>
+              <a:t>‹Nº›</a:t>
             </a:fld>
             <a:endParaRPr lang="en-US"/>
           </a:p>
@@ -9640,7 +9642,7 @@
           <a:p>
             <a:fld id="{C3F1CC1C-22EA-46CD-904C-16DD37C872AB}" type="datetime1">
               <a:rPr lang="en-US" smtClean="0"/>
-              <a:t>08-Feb-21</a:t>
+              <a:t>2/8/2021</a:t>
             </a:fld>
             <a:endParaRPr lang="en-US"/>
           </a:p>
@@ -9686,7 +9688,7 @@
           <a:p>
             <a:fld id="{C56C165F-EEF2-41CF-BC2E-932F6DFC370B}" type="slidenum">
               <a:rPr lang="en-US" smtClean="0"/>
-              <a:t>‹#›</a:t>
+              <a:t>‹Nº›</a:t>
             </a:fld>
             <a:endParaRPr lang="en-US"/>
           </a:p>
@@ -9895,7 +9897,7 @@
           <a:p>
             <a:fld id="{A7917ED3-2F05-4AB7-A7C0-5801D60C213B}" type="datetime1">
               <a:rPr lang="en-US" smtClean="0"/>
-              <a:t>08-Feb-21</a:t>
+              <a:t>2/8/2021</a:t>
             </a:fld>
             <a:endParaRPr lang="en-US"/>
           </a:p>
@@ -9941,7 +9943,7 @@
           <a:p>
             <a:fld id="{C56C165F-EEF2-41CF-BC2E-932F6DFC370B}" type="slidenum">
               <a:rPr lang="en-US" smtClean="0"/>
-              <a:t>‹#›</a:t>
+              <a:t>‹Nº›</a:t>
             </a:fld>
             <a:endParaRPr lang="en-US"/>
           </a:p>
@@ -10213,7 +10215,7 @@
           <a:p>
             <a:fld id="{B8768D1A-CAA3-4A12-A5AC-C8AC3C62090B}" type="datetime1">
               <a:rPr lang="en-US" smtClean="0"/>
-              <a:t>08-Feb-21</a:t>
+              <a:t>2/8/2021</a:t>
             </a:fld>
             <a:endParaRPr lang="en-US"/>
           </a:p>
@@ -10259,7 +10261,7 @@
           <a:p>
             <a:fld id="{C56C165F-EEF2-41CF-BC2E-932F6DFC370B}" type="slidenum">
               <a:rPr lang="en-US" smtClean="0"/>
-              <a:t>‹#›</a:t>
+              <a:t>‹Nº›</a:t>
             </a:fld>
             <a:endParaRPr lang="en-US"/>
           </a:p>
@@ -10558,7 +10560,7 @@
           <a:p>
             <a:fld id="{0C89FB6B-CCFE-4146-B110-DE9BB5647AFE}" type="datetime1">
               <a:rPr lang="en-US" smtClean="0"/>
-              <a:t>08-Feb-21</a:t>
+              <a:t>2/8/2021</a:t>
             </a:fld>
             <a:endParaRPr lang="en-US"/>
           </a:p>
@@ -10604,7 +10606,7 @@
           <a:p>
             <a:fld id="{C56C165F-EEF2-41CF-BC2E-932F6DFC370B}" type="slidenum">
               <a:rPr lang="en-US" smtClean="0"/>
-              <a:t>‹#›</a:t>
+              <a:t>‹Nº›</a:t>
             </a:fld>
             <a:endParaRPr lang="en-US"/>
           </a:p>
@@ -10876,7 +10878,7 @@
           <a:p>
             <a:fld id="{B806047E-680A-4105-966A-7031AF0D3BA2}" type="datetime1">
               <a:rPr lang="en-US" smtClean="0"/>
-              <a:t>08-Feb-21</a:t>
+              <a:t>2/8/2021</a:t>
             </a:fld>
             <a:endParaRPr lang="en-US"/>
           </a:p>
@@ -10922,7 +10924,7 @@
           <a:p>
             <a:fld id="{C56C165F-EEF2-41CF-BC2E-932F6DFC370B}" type="slidenum">
               <a:rPr lang="en-US" smtClean="0"/>
-              <a:t>‹#›</a:t>
+              <a:t>‹Nº›</a:t>
             </a:fld>
             <a:endParaRPr lang="en-US"/>
           </a:p>
@@ -11273,7 +11275,7 @@
           <a:p>
             <a:fld id="{E1A0A39A-48A5-4BF0-86C3-4F01160DDD0A}" type="datetime1">
               <a:rPr lang="en-US" smtClean="0"/>
-              <a:t>08-Feb-21</a:t>
+              <a:t>2/8/2021</a:t>
             </a:fld>
             <a:endParaRPr lang="en-US"/>
           </a:p>
@@ -11319,7 +11321,7 @@
           <a:p>
             <a:fld id="{C56C165F-EEF2-41CF-BC2E-932F6DFC370B}" type="slidenum">
               <a:rPr lang="en-US" smtClean="0"/>
-              <a:t>‹#›</a:t>
+              <a:t>‹Nº›</a:t>
             </a:fld>
             <a:endParaRPr lang="en-US"/>
           </a:p>
@@ -11447,7 +11449,7 @@
           <a:p>
             <a:fld id="{E8CE4E57-B702-4A40-BF85-9FE7409F2A2D}" type="datetime1">
               <a:rPr lang="en-US" smtClean="0"/>
-              <a:t>08-Feb-21</a:t>
+              <a:t>2/8/2021</a:t>
             </a:fld>
             <a:endParaRPr lang="en-US"/>
           </a:p>
@@ -11493,7 +11495,7 @@
           <a:p>
             <a:fld id="{C56C165F-EEF2-41CF-BC2E-932F6DFC370B}" type="slidenum">
               <a:rPr lang="en-US" smtClean="0"/>
-              <a:t>‹#›</a:t>
+              <a:t>‹Nº›</a:t>
             </a:fld>
             <a:endParaRPr lang="en-US"/>
           </a:p>
@@ -11631,7 +11633,7 @@
           <a:p>
             <a:fld id="{1168F20A-C387-45E6-B5AA-F3C3A0BA79B5}" type="datetime1">
               <a:rPr lang="en-US" smtClean="0"/>
-              <a:t>08-Feb-21</a:t>
+              <a:t>2/8/2021</a:t>
             </a:fld>
             <a:endParaRPr lang="en-US"/>
           </a:p>
@@ -11677,7 +11679,7 @@
           <a:p>
             <a:fld id="{C56C165F-EEF2-41CF-BC2E-932F6DFC370B}" type="slidenum">
               <a:rPr lang="en-US" smtClean="0"/>
-              <a:t>‹#›</a:t>
+              <a:t>‹Nº›</a:t>
             </a:fld>
             <a:endParaRPr lang="en-US"/>
           </a:p>
@@ -11811,7 +11813,7 @@
           <a:p>
             <a:fld id="{885BF80E-D98D-4073-B738-0A8F1F76ECE2}" type="datetime1">
               <a:rPr lang="en-US" smtClean="0"/>
-              <a:t>08-Feb-21</a:t>
+              <a:t>2/8/2021</a:t>
             </a:fld>
             <a:endParaRPr lang="en-US"/>
           </a:p>
@@ -11857,7 +11859,7 @@
           <a:p>
             <a:fld id="{C56C165F-EEF2-41CF-BC2E-932F6DFC370B}" type="slidenum">
               <a:rPr lang="en-US" smtClean="0"/>
-              <a:t>‹#›</a:t>
+              <a:t>‹Nº›</a:t>
             </a:fld>
             <a:endParaRPr lang="en-US"/>
           </a:p>
@@ -12062,7 +12064,7 @@
           <a:p>
             <a:fld id="{DD8A7459-644B-48E6-8A61-9D263D5F85BC}" type="datetime1">
               <a:rPr lang="en-US" smtClean="0"/>
-              <a:t>08-Feb-21</a:t>
+              <a:t>2/8/2021</a:t>
             </a:fld>
             <a:endParaRPr lang="en-US"/>
           </a:p>
@@ -12108,7 +12110,7 @@
           <a:p>
             <a:fld id="{C56C165F-EEF2-41CF-BC2E-932F6DFC370B}" type="slidenum">
               <a:rPr lang="en-US" smtClean="0"/>
-              <a:t>‹#›</a:t>
+              <a:t>‹Nº›</a:t>
             </a:fld>
             <a:endParaRPr lang="en-US"/>
           </a:p>
@@ -12298,7 +12300,7 @@
           <a:p>
             <a:fld id="{6DBFBE7A-93A9-45BF-A537-22DB4B6F3D3D}" type="datetime1">
               <a:rPr lang="en-US" smtClean="0"/>
-              <a:t>08-Feb-21</a:t>
+              <a:t>2/8/2021</a:t>
             </a:fld>
             <a:endParaRPr lang="en-US"/>
           </a:p>
@@ -12344,7 +12346,7 @@
           <a:p>
             <a:fld id="{C56C165F-EEF2-41CF-BC2E-932F6DFC370B}" type="slidenum">
               <a:rPr lang="en-US" smtClean="0"/>
-              <a:t>‹#›</a:t>
+              <a:t>‹Nº›</a:t>
             </a:fld>
             <a:endParaRPr lang="en-US"/>
           </a:p>
@@ -12676,7 +12678,7 @@
           <a:p>
             <a:fld id="{0AD63036-2C5B-45CE-9FA7-5A6CF146B5F8}" type="datetime1">
               <a:rPr lang="en-US" smtClean="0"/>
-              <a:t>08-Feb-21</a:t>
+              <a:t>2/8/2021</a:t>
             </a:fld>
             <a:endParaRPr lang="en-US"/>
           </a:p>
@@ -12722,7 +12724,7 @@
           <a:p>
             <a:fld id="{C56C165F-EEF2-41CF-BC2E-932F6DFC370B}" type="slidenum">
               <a:rPr lang="en-US" smtClean="0"/>
-              <a:t>‹#›</a:t>
+              <a:t>‹Nº›</a:t>
             </a:fld>
             <a:endParaRPr lang="en-US"/>
           </a:p>
@@ -12803,7 +12805,7 @@
           <a:p>
             <a:fld id="{3AD86144-F754-4127-9B0E-B7C7804F3B52}" type="datetime1">
               <a:rPr lang="en-US" smtClean="0"/>
-              <a:t>08-Feb-21</a:t>
+              <a:t>2/8/2021</a:t>
             </a:fld>
             <a:endParaRPr lang="en-US"/>
           </a:p>
@@ -12849,7 +12851,7 @@
           <a:p>
             <a:fld id="{C56C165F-EEF2-41CF-BC2E-932F6DFC370B}" type="slidenum">
               <a:rPr lang="en-US" smtClean="0"/>
-              <a:t>‹#›</a:t>
+              <a:t>‹Nº›</a:t>
             </a:fld>
             <a:endParaRPr lang="en-US"/>
           </a:p>
@@ -12902,7 +12904,7 @@
           <a:p>
             <a:fld id="{AA2CC57E-CBE3-4F58-83EB-2A2985985109}" type="datetime1">
               <a:rPr lang="en-US" smtClean="0"/>
-              <a:t>08-Feb-21</a:t>
+              <a:t>2/8/2021</a:t>
             </a:fld>
             <a:endParaRPr lang="en-US"/>
           </a:p>
@@ -12948,7 +12950,7 @@
           <a:p>
             <a:fld id="{C56C165F-EEF2-41CF-BC2E-932F6DFC370B}" type="slidenum">
               <a:rPr lang="en-US" smtClean="0"/>
-              <a:t>‹#›</a:t>
+              <a:t>‹Nº›</a:t>
             </a:fld>
             <a:endParaRPr lang="en-US"/>
           </a:p>
@@ -13161,7 +13163,7 @@
           <a:p>
             <a:fld id="{4DC4E18F-D07D-46E6-BD9A-24CDE82C40C7}" type="datetime1">
               <a:rPr lang="en-US" smtClean="0"/>
-              <a:t>08-Feb-21</a:t>
+              <a:t>2/8/2021</a:t>
             </a:fld>
             <a:endParaRPr lang="en-US"/>
           </a:p>
@@ -13207,7 +13209,7 @@
           <a:p>
             <a:fld id="{C56C165F-EEF2-41CF-BC2E-932F6DFC370B}" type="slidenum">
               <a:rPr lang="en-US" smtClean="0"/>
-              <a:t>‹#›</a:t>
+              <a:t>‹Nº›</a:t>
             </a:fld>
             <a:endParaRPr lang="en-US"/>
           </a:p>
@@ -13428,7 +13430,7 @@
           <a:p>
             <a:fld id="{E89F4A14-0049-4FB7-90EF-3B176EA31CC7}" type="datetime1">
               <a:rPr lang="en-US" smtClean="0"/>
-              <a:t>08-Feb-21</a:t>
+              <a:t>2/8/2021</a:t>
             </a:fld>
             <a:endParaRPr lang="en-US"/>
           </a:p>
@@ -13474,7 +13476,7 @@
           <a:p>
             <a:fld id="{C56C165F-EEF2-41CF-BC2E-932F6DFC370B}" type="slidenum">
               <a:rPr lang="en-US" smtClean="0"/>
-              <a:t>‹#›</a:t>
+              <a:t>‹Nº›</a:t>
             </a:fld>
             <a:endParaRPr lang="en-US"/>
           </a:p>
@@ -14175,7 +14177,7 @@
           <a:p>
             <a:fld id="{33D75745-2F93-4B05-9285-2DA4E0646346}" type="datetime1">
               <a:rPr lang="en-US" smtClean="0"/>
-              <a:t>08-Feb-21</a:t>
+              <a:t>2/8/2021</a:t>
             </a:fld>
             <a:endParaRPr lang="en-US"/>
           </a:p>
@@ -14255,7 +14257,7 @@
           <a:p>
             <a:fld id="{C56C165F-EEF2-41CF-BC2E-932F6DFC370B}" type="slidenum">
               <a:rPr lang="en-US" smtClean="0"/>
-              <a:t>‹#›</a:t>
+              <a:t>‹Nº›</a:t>
             </a:fld>
             <a:endParaRPr lang="en-US"/>
           </a:p>
@@ -15890,6 +15892,217 @@
       </p:grpSpPr>
       <p:sp>
         <p:nvSpPr>
+          <p:cNvPr id="2" name="Título 1">
+            <a:extLst>
+              <a:ext uri="{FF2B5EF4-FFF2-40B4-BE49-F238E27FC236}">
+                <a16:creationId xmlns:a16="http://schemas.microsoft.com/office/drawing/2014/main" id="{FABDEB84-FD63-4309-A378-BB635E6656A6}"/>
+              </a:ext>
+            </a:extLst>
+          </p:cNvPr>
+          <p:cNvSpPr>
+            <a:spLocks noGrp="1"/>
+          </p:cNvSpPr>
+          <p:nvPr>
+            <p:ph type="title"/>
+          </p:nvPr>
+        </p:nvSpPr>
+        <p:spPr/>
+        <p:txBody>
+          <a:bodyPr/>
+          <a:lstStyle/>
+          <a:p>
+            <a:r>
+              <a:rPr lang="es-AR" dirty="0"/>
+              <a:t>Programación de memoria Flash</a:t>
+            </a:r>
+          </a:p>
+        </p:txBody>
+      </p:sp>
+      <p:sp>
+        <p:nvSpPr>
+          <p:cNvPr id="3" name="Marcador de contenido 2">
+            <a:extLst>
+              <a:ext uri="{FF2B5EF4-FFF2-40B4-BE49-F238E27FC236}">
+                <a16:creationId xmlns:a16="http://schemas.microsoft.com/office/drawing/2014/main" id="{91AFC709-2FCF-4673-8319-F499AB313F88}"/>
+              </a:ext>
+            </a:extLst>
+          </p:cNvPr>
+          <p:cNvSpPr>
+            <a:spLocks noGrp="1"/>
+          </p:cNvSpPr>
+          <p:nvPr>
+            <p:ph idx="1"/>
+          </p:nvPr>
+        </p:nvSpPr>
+        <p:spPr>
+          <a:xfrm>
+            <a:off x="677334" y="2009775"/>
+            <a:ext cx="5044754" cy="4031587"/>
+          </a:xfrm>
+        </p:spPr>
+        <p:txBody>
+          <a:bodyPr/>
+          <a:lstStyle/>
+          <a:p>
+            <a:r>
+              <a:rPr lang="es-AR" dirty="0"/>
+              <a:t>Utilización de GUI Flash Tool de </a:t>
+            </a:r>
+            <a:r>
+              <a:rPr lang="es-AR" dirty="0" err="1"/>
+              <a:t>MCUXpresso</a:t>
+            </a:r>
+            <a:endParaRPr lang="es-AR" dirty="0"/>
+          </a:p>
+          <a:p>
+            <a:r>
+              <a:rPr lang="es-AR" dirty="0"/>
+              <a:t>Visualización del uso de memoria del programa mediante herramientas de </a:t>
+            </a:r>
+            <a:r>
+              <a:rPr lang="es-AR" dirty="0" err="1"/>
+              <a:t>MCUXpresso</a:t>
+            </a:r>
+            <a:r>
+              <a:rPr lang="es-AR" dirty="0"/>
+              <a:t> para determinar sectores disponibles.</a:t>
+            </a:r>
+          </a:p>
+        </p:txBody>
+      </p:sp>
+      <p:sp>
+        <p:nvSpPr>
+          <p:cNvPr id="4" name="Marcador de pie de página 3">
+            <a:extLst>
+              <a:ext uri="{FF2B5EF4-FFF2-40B4-BE49-F238E27FC236}">
+                <a16:creationId xmlns:a16="http://schemas.microsoft.com/office/drawing/2014/main" id="{C5FC8C43-34A7-4942-AF9B-386BD78CC9A0}"/>
+              </a:ext>
+            </a:extLst>
+          </p:cNvPr>
+          <p:cNvSpPr>
+            <a:spLocks noGrp="1"/>
+          </p:cNvSpPr>
+          <p:nvPr>
+            <p:ph type="ftr" sz="quarter" idx="11"/>
+          </p:nvPr>
+        </p:nvSpPr>
+        <p:spPr/>
+        <p:txBody>
+          <a:bodyPr/>
+          <a:lstStyle/>
+          <a:p>
+            <a:r>
+              <a:rPr lang="pt-BR"/>
+              <a:t>Laboratorio de microprocesadores - TPF - Grupo 1</a:t>
+            </a:r>
+            <a:endParaRPr lang="en-US"/>
+          </a:p>
+        </p:txBody>
+      </p:sp>
+      <p:sp>
+        <p:nvSpPr>
+          <p:cNvPr id="5" name="Marcador de número de diapositiva 4">
+            <a:extLst>
+              <a:ext uri="{FF2B5EF4-FFF2-40B4-BE49-F238E27FC236}">
+                <a16:creationId xmlns:a16="http://schemas.microsoft.com/office/drawing/2014/main" id="{BD403477-94FF-4584-AC15-BE06141A6DC1}"/>
+              </a:ext>
+            </a:extLst>
+          </p:cNvPr>
+          <p:cNvSpPr>
+            <a:spLocks noGrp="1"/>
+          </p:cNvSpPr>
+          <p:nvPr>
+            <p:ph type="sldNum" sz="quarter" idx="12"/>
+          </p:nvPr>
+        </p:nvSpPr>
+        <p:spPr/>
+        <p:txBody>
+          <a:bodyPr/>
+          <a:lstStyle/>
+          <a:p>
+            <a:fld id="{C56C165F-EEF2-41CF-BC2E-932F6DFC370B}" type="slidenum">
+              <a:rPr lang="en-US" smtClean="0"/>
+              <a:t>12</a:t>
+            </a:fld>
+            <a:endParaRPr lang="en-US"/>
+          </a:p>
+        </p:txBody>
+      </p:sp>
+      <p:pic>
+        <p:nvPicPr>
+          <p:cNvPr id="9" name="Imagen 8" descr="Interfaz de usuario gráfica, Texto, Aplicación, Correo electrónico&#10;&#10;Descripción generada automáticamente">
+            <a:extLst>
+              <a:ext uri="{FF2B5EF4-FFF2-40B4-BE49-F238E27FC236}">
+                <a16:creationId xmlns:a16="http://schemas.microsoft.com/office/drawing/2014/main" id="{87E8D946-D6C3-4F4F-8928-70C106A2F22C}"/>
+              </a:ext>
+            </a:extLst>
+          </p:cNvPr>
+          <p:cNvPicPr>
+            <a:picLocks noChangeAspect="1"/>
+          </p:cNvPicPr>
+          <p:nvPr/>
+        </p:nvPicPr>
+        <p:blipFill>
+          <a:blip r:embed="rId2">
+            <a:extLst>
+              <a:ext uri="{28A0092B-C50C-407E-A947-70E740481C1C}">
+                <a14:useLocalDpi xmlns:a14="http://schemas.microsoft.com/office/drawing/2010/main" val="0"/>
+              </a:ext>
+            </a:extLst>
+          </a:blip>
+          <a:stretch>
+            <a:fillRect/>
+          </a:stretch>
+        </p:blipFill>
+        <p:spPr>
+          <a:xfrm>
+            <a:off x="5954551" y="1768070"/>
+            <a:ext cx="5955562" cy="4273292"/>
+          </a:xfrm>
+          <a:prstGeom prst="rect">
+            <a:avLst/>
+          </a:prstGeom>
+          <a:effectLst>
+            <a:outerShdw blurRad="63500" sx="102000" sy="102000" algn="ctr" rotWithShape="0">
+              <a:prstClr val="black">
+                <a:alpha val="40000"/>
+              </a:prstClr>
+            </a:outerShdw>
+          </a:effectLst>
+        </p:spPr>
+      </p:pic>
+    </p:spTree>
+    <p:extLst>
+      <p:ext uri="{BB962C8B-B14F-4D97-AF65-F5344CB8AC3E}">
+        <p14:creationId xmlns:p14="http://schemas.microsoft.com/office/powerpoint/2010/main" val="3588605437"/>
+      </p:ext>
+    </p:extLst>
+  </p:cSld>
+  <p:clrMapOvr>
+    <a:masterClrMapping/>
+  </p:clrMapOvr>
+</p:sld>
+</file>
+
+<file path=ppt/slides/slide13.xml><?xml version="1.0" encoding="utf-8"?>
+<p:sld xmlns:a="http://schemas.openxmlformats.org/drawingml/2006/main" xmlns:r="http://schemas.openxmlformats.org/officeDocument/2006/relationships" xmlns:p="http://schemas.openxmlformats.org/presentationml/2006/main">
+  <p:cSld>
+    <p:spTree>
+      <p:nvGrpSpPr>
+        <p:cNvPr id="1" name=""/>
+        <p:cNvGrpSpPr/>
+        <p:nvPr/>
+      </p:nvGrpSpPr>
+      <p:grpSpPr>
+        <a:xfrm>
+          <a:off x="0" y="0"/>
+          <a:ext cx="0" cy="0"/>
+          <a:chOff x="0" y="0"/>
+          <a:chExt cx="0" cy="0"/>
+        </a:xfrm>
+      </p:grpSpPr>
+      <p:sp>
+        <p:nvSpPr>
           <p:cNvPr id="2" name="Title 1">
             <a:extLst>
               <a:ext uri="{FF2B5EF4-FFF2-40B4-BE49-F238E27FC236}">
@@ -16005,7 +16218,7 @@
                   <a:spcPts val="600"/>
                 </a:spcAft>
               </a:pPr>
-              <a:t>12</a:t>
+              <a:t>13</a:t>
             </a:fld>
             <a:endParaRPr lang="en-US"/>
           </a:p>
@@ -16257,7 +16470,7 @@
 </p:sld>
 </file>
 
-<file path=ppt/slides/slide13.xml><?xml version="1.0" encoding="utf-8"?>
+<file path=ppt/slides/slide14.xml><?xml version="1.0" encoding="utf-8"?>
 <p:sld xmlns:a="http://schemas.openxmlformats.org/drawingml/2006/main" xmlns:r="http://schemas.openxmlformats.org/officeDocument/2006/relationships" xmlns:p="http://schemas.openxmlformats.org/presentationml/2006/main">
   <p:cSld>
     <p:spTree>
@@ -16469,7 +16682,7 @@
                 <a:tabLst/>
                 <a:defRPr/>
               </a:pPr>
-              <a:t>13</a:t>
+              <a:t>14</a:t>
             </a:fld>
             <a:endParaRPr kumimoji="0" lang="en-US" sz="900" b="0" i="0" u="none" strike="noStrike" kern="1200" cap="none" spc="0" normalizeH="0" baseline="0" noProof="0">
               <a:ln>
@@ -16523,7 +16736,7 @@
 </p:sld>
 </file>
 
-<file path=ppt/slides/slide14.xml><?xml version="1.0" encoding="utf-8"?>
+<file path=ppt/slides/slide15.xml><?xml version="1.0" encoding="utf-8"?>
 <p:sld xmlns:a="http://schemas.openxmlformats.org/drawingml/2006/main" xmlns:r="http://schemas.openxmlformats.org/officeDocument/2006/relationships" xmlns:p="http://schemas.openxmlformats.org/presentationml/2006/main">
   <p:cSld>
     <p:spTree>
@@ -16661,7 +16874,7 @@
                   <a:spcPts val="600"/>
                 </a:spcAft>
               </a:pPr>
-              <a:t>14</a:t>
+              <a:t>15</a:t>
             </a:fld>
             <a:endParaRPr lang="en-US" dirty="0"/>
           </a:p>
@@ -17420,7 +17633,7 @@
 </p:sld>
 </file>
 
-<file path=ppt/slides/slide15.xml><?xml version="1.0" encoding="utf-8"?>
+<file path=ppt/slides/slide16.xml><?xml version="1.0" encoding="utf-8"?>
 <p:sld xmlns:a="http://schemas.openxmlformats.org/drawingml/2006/main" xmlns:r="http://schemas.openxmlformats.org/officeDocument/2006/relationships" xmlns:p="http://schemas.openxmlformats.org/presentationml/2006/main">
   <p:cSld>
     <p:bg>
@@ -18160,8 +18373,8 @@
         </p:nvSpPr>
         <p:spPr>
           <a:xfrm>
-            <a:off x="1150705" y="4545575"/>
-            <a:ext cx="5708416" cy="1295521"/>
+            <a:off x="1151115" y="399264"/>
+            <a:ext cx="7781218" cy="1295521"/>
           </a:xfrm>
         </p:spPr>
         <p:txBody>
@@ -18272,12 +18485,19 @@
         </p:blipFill>
         <p:spPr>
           <a:xfrm>
-            <a:off x="181316" y="1533348"/>
-            <a:ext cx="11829367" cy="1981418"/>
+            <a:off x="1132743" y="2031763"/>
+            <a:ext cx="8316440" cy="1393003"/>
           </a:xfrm>
           <a:prstGeom prst="rect">
             <a:avLst/>
           </a:prstGeom>
+          <a:effectLst>
+            <a:outerShdw blurRad="63500" sx="102000" sy="102000" algn="ctr" rotWithShape="0">
+              <a:prstClr val="black">
+                <a:alpha val="40000"/>
+              </a:prstClr>
+            </a:outerShdw>
+          </a:effectLst>
         </p:spPr>
         <p:style>
           <a:lnRef idx="2">
@@ -18383,12 +18603,179 @@
                   <a:spcPts val="600"/>
                 </a:spcAft>
               </a:pPr>
-              <a:t>15</a:t>
+              <a:t>16</a:t>
             </a:fld>
             <a:endParaRPr lang="en-US"/>
           </a:p>
         </p:txBody>
       </p:sp>
+      <p:sp>
+        <p:nvSpPr>
+          <p:cNvPr id="17" name="Title 1">
+            <a:extLst>
+              <a:ext uri="{FF2B5EF4-FFF2-40B4-BE49-F238E27FC236}">
+                <a16:creationId xmlns:a16="http://schemas.microsoft.com/office/drawing/2014/main" id="{03D6C1D0-58E0-4531-A4F4-E34521632B6E}"/>
+              </a:ext>
+            </a:extLst>
+          </p:cNvPr>
+          <p:cNvSpPr txBox="1">
+            <a:spLocks/>
+          </p:cNvSpPr>
+          <p:nvPr/>
+        </p:nvSpPr>
+        <p:spPr>
+          <a:xfrm>
+            <a:off x="1151115" y="3087653"/>
+            <a:ext cx="7781218" cy="1295521"/>
+          </a:xfrm>
+          <a:prstGeom prst="rect">
+            <a:avLst/>
+          </a:prstGeom>
+        </p:spPr>
+        <p:txBody>
+          <a:bodyPr vert="horz" lIns="91440" tIns="45720" rIns="91440" bIns="45720" rtlCol="0" anchor="b">
+            <a:normAutofit/>
+          </a:bodyPr>
+          <a:lstStyle>
+            <a:lvl1pPr algn="l" defTabSz="457200" rtl="0" eaLnBrk="1" latinLnBrk="0" hangingPunct="1">
+              <a:spcBef>
+                <a:spcPct val="0"/>
+              </a:spcBef>
+              <a:buNone/>
+              <a:defRPr sz="3600" kern="1200">
+                <a:solidFill>
+                  <a:schemeClr val="accent1"/>
+                </a:solidFill>
+                <a:latin typeface="+mj-lt"/>
+                <a:ea typeface="+mj-ea"/>
+                <a:cs typeface="+mj-cs"/>
+              </a:defRPr>
+            </a:lvl1pPr>
+            <a:lvl2pPr eaLnBrk="1" hangingPunct="1">
+              <a:defRPr>
+                <a:solidFill>
+                  <a:schemeClr val="tx2"/>
+                </a:solidFill>
+              </a:defRPr>
+            </a:lvl2pPr>
+            <a:lvl3pPr eaLnBrk="1" hangingPunct="1">
+              <a:defRPr>
+                <a:solidFill>
+                  <a:schemeClr val="tx2"/>
+                </a:solidFill>
+              </a:defRPr>
+            </a:lvl3pPr>
+            <a:lvl4pPr eaLnBrk="1" hangingPunct="1">
+              <a:defRPr>
+                <a:solidFill>
+                  <a:schemeClr val="tx2"/>
+                </a:solidFill>
+              </a:defRPr>
+            </a:lvl4pPr>
+            <a:lvl5pPr eaLnBrk="1" hangingPunct="1">
+              <a:defRPr>
+                <a:solidFill>
+                  <a:schemeClr val="tx2"/>
+                </a:solidFill>
+              </a:defRPr>
+            </a:lvl5pPr>
+            <a:lvl6pPr eaLnBrk="1" hangingPunct="1">
+              <a:defRPr>
+                <a:solidFill>
+                  <a:schemeClr val="tx2"/>
+                </a:solidFill>
+              </a:defRPr>
+            </a:lvl6pPr>
+            <a:lvl7pPr eaLnBrk="1" hangingPunct="1">
+              <a:defRPr>
+                <a:solidFill>
+                  <a:schemeClr val="tx2"/>
+                </a:solidFill>
+              </a:defRPr>
+            </a:lvl7pPr>
+            <a:lvl8pPr eaLnBrk="1" hangingPunct="1">
+              <a:defRPr>
+                <a:solidFill>
+                  <a:schemeClr val="tx2"/>
+                </a:solidFill>
+              </a:defRPr>
+            </a:lvl8pPr>
+            <a:lvl9pPr eaLnBrk="1" hangingPunct="1">
+              <a:defRPr>
+                <a:solidFill>
+                  <a:schemeClr val="tx2"/>
+                </a:solidFill>
+              </a:defRPr>
+            </a:lvl9pPr>
+          </a:lstStyle>
+          <a:p>
+            <a:pPr>
+              <a:lnSpc>
+                <a:spcPct val="90000"/>
+              </a:lnSpc>
+            </a:pPr>
+            <a:r>
+              <a:rPr lang="en-US" sz="3700" dirty="0" err="1"/>
+              <a:t>Uso</a:t>
+            </a:r>
+            <a:r>
+              <a:rPr lang="en-US" sz="3700" dirty="0"/>
+              <a:t> de </a:t>
+            </a:r>
+            <a:r>
+              <a:rPr lang="en-US" sz="3700" dirty="0" err="1"/>
+              <a:t>memoria</a:t>
+            </a:r>
+            <a:r>
+              <a:rPr lang="en-US" sz="3700" dirty="0"/>
+              <a:t> Flash y SRAM</a:t>
+            </a:r>
+          </a:p>
+        </p:txBody>
+      </p:sp>
+      <p:pic>
+        <p:nvPicPr>
+          <p:cNvPr id="6" name="Imagen 5" descr="Tabla&#10;&#10;Descripción generada automáticamente">
+            <a:extLst>
+              <a:ext uri="{FF2B5EF4-FFF2-40B4-BE49-F238E27FC236}">
+                <a16:creationId xmlns:a16="http://schemas.microsoft.com/office/drawing/2014/main" id="{175F0904-6EF5-4D86-A3EC-A7AADF9F4CBE}"/>
+              </a:ext>
+            </a:extLst>
+          </p:cNvPr>
+          <p:cNvPicPr>
+            <a:picLocks noChangeAspect="1"/>
+          </p:cNvPicPr>
+          <p:nvPr/>
+        </p:nvPicPr>
+        <p:blipFill>
+          <a:blip r:embed="rId3">
+            <a:extLst>
+              <a:ext uri="{28A0092B-C50C-407E-A947-70E740481C1C}">
+                <a14:useLocalDpi xmlns:a14="http://schemas.microsoft.com/office/drawing/2010/main" val="0"/>
+              </a:ext>
+            </a:extLst>
+          </a:blip>
+          <a:stretch>
+            <a:fillRect/>
+          </a:stretch>
+        </p:blipFill>
+        <p:spPr>
+          <a:xfrm>
+            <a:off x="1149766" y="4488140"/>
+            <a:ext cx="8299417" cy="1265662"/>
+          </a:xfrm>
+          <a:prstGeom prst="rect">
+            <a:avLst/>
+          </a:prstGeom>
+          <a:effectLst>
+            <a:outerShdw blurRad="63500" sx="102000" sy="102000" algn="ctr" rotWithShape="0">
+              <a:prstClr val="black">
+                <a:alpha val="40000"/>
+              </a:prstClr>
+            </a:outerShdw>
+          </a:effectLst>
+        </p:spPr>
+      </p:pic>
     </p:spTree>
     <p:extLst>
       <p:ext uri="{BB962C8B-B14F-4D97-AF65-F5344CB8AC3E}">
@@ -18402,7 +18789,7 @@
 </p:sld>
 </file>
 
-<file path=ppt/slides/slide16.xml><?xml version="1.0" encoding="utf-8"?>
+<file path=ppt/slides/slide17.xml><?xml version="1.0" encoding="utf-8"?>
 <p:sld xmlns:a="http://schemas.openxmlformats.org/drawingml/2006/main" xmlns:r="http://schemas.openxmlformats.org/officeDocument/2006/relationships" xmlns:p="http://schemas.openxmlformats.org/presentationml/2006/main">
   <p:cSld>
     <p:spTree>
@@ -18608,7 +18995,7 @@
           <a:p>
             <a:fld id="{C56C165F-EEF2-41CF-BC2E-932F6DFC370B}" type="slidenum">
               <a:rPr lang="en-US" smtClean="0"/>
-              <a:t>16</a:t>
+              <a:t>17</a:t>
             </a:fld>
             <a:endParaRPr lang="en-US"/>
           </a:p>
@@ -18627,7 +19014,7 @@
 </p:sld>
 </file>
 
-<file path=ppt/slides/slide17.xml><?xml version="1.0" encoding="utf-8"?>
+<file path=ppt/slides/slide18.xml><?xml version="1.0" encoding="utf-8"?>
 <p:sld xmlns:a="http://schemas.openxmlformats.org/drawingml/2006/main" xmlns:r="http://schemas.openxmlformats.org/officeDocument/2006/relationships" xmlns:p="http://schemas.openxmlformats.org/presentationml/2006/main">
   <p:cSld>
     <p:bg>
@@ -19606,7 +19993,7 @@
                   <a:spcPts val="600"/>
                 </a:spcAft>
               </a:pPr>
-              <a:t>17</a:t>
+              <a:t>18</a:t>
             </a:fld>
             <a:endParaRPr lang="en-US"/>
           </a:p>
